--- a/ppt/golang/interview_questions/2/key_features.pptx
+++ b/ppt/golang/interview_questions/2/key_features.pptx
@@ -225,7 +225,7 @@
           <a:p>
             <a:fld id="{F53ED584-7A2F-482D-8C92-6C1DBDF6E2CE}" type="datetimeFigureOut">
               <a:rPr lang="en-US" smtClean="0"/>
-              <a:t>4/8/2025</a:t>
+              <a:t>4/9/2025</a:t>
             </a:fld>
             <a:endParaRPr lang="en-US"/>
           </a:p>
@@ -1800,7 +1800,7 @@
           <a:p>
             <a:fld id="{5BCAD085-E8A6-8845-BD4E-CB4CCA059FC4}" type="datetimeFigureOut">
               <a:rPr lang="en-US" smtClean="0"/>
-              <a:t>4/8/2025</a:t>
+              <a:t>4/9/2025</a:t>
             </a:fld>
             <a:endParaRPr lang="en-US"/>
           </a:p>
@@ -2124,7 +2124,7 @@
           <a:p>
             <a:fld id="{5BCAD085-E8A6-8845-BD4E-CB4CCA059FC4}" type="datetimeFigureOut">
               <a:rPr lang="en-US" smtClean="0"/>
-              <a:t>4/8/2025</a:t>
+              <a:t>4/9/2025</a:t>
             </a:fld>
             <a:endParaRPr lang="en-US"/>
           </a:p>
@@ -2372,7 +2372,7 @@
           <a:p>
             <a:fld id="{5BCAD085-E8A6-8845-BD4E-CB4CCA059FC4}" type="datetimeFigureOut">
               <a:rPr lang="en-US" smtClean="0"/>
-              <a:t>4/8/2025</a:t>
+              <a:t>4/9/2025</a:t>
             </a:fld>
             <a:endParaRPr lang="en-US"/>
           </a:p>
@@ -2711,7 +2711,7 @@
           <a:p>
             <a:fld id="{5BCAD085-E8A6-8845-BD4E-CB4CCA059FC4}" type="datetimeFigureOut">
               <a:rPr lang="en-US" smtClean="0"/>
-              <a:t>4/8/2025</a:t>
+              <a:t>4/9/2025</a:t>
             </a:fld>
             <a:endParaRPr lang="en-US"/>
           </a:p>
@@ -3058,7 +3058,7 @@
           <a:p>
             <a:fld id="{5BCAD085-E8A6-8845-BD4E-CB4CCA059FC4}" type="datetimeFigureOut">
               <a:rPr lang="en-US" smtClean="0"/>
-              <a:t>4/8/2025</a:t>
+              <a:t>4/9/2025</a:t>
             </a:fld>
             <a:endParaRPr lang="en-US"/>
           </a:p>
@@ -3432,7 +3432,7 @@
           <a:p>
             <a:fld id="{5BCAD085-E8A6-8845-BD4E-CB4CCA059FC4}" type="datetimeFigureOut">
               <a:rPr lang="en-US" smtClean="0"/>
-              <a:t>4/8/2025</a:t>
+              <a:t>4/9/2025</a:t>
             </a:fld>
             <a:endParaRPr lang="en-US"/>
           </a:p>
@@ -3902,7 +3902,7 @@
           <a:p>
             <a:fld id="{5BCAD085-E8A6-8845-BD4E-CB4CCA059FC4}" type="datetimeFigureOut">
               <a:rPr lang="en-US" smtClean="0"/>
-              <a:t>4/8/2025</a:t>
+              <a:t>4/9/2025</a:t>
             </a:fld>
             <a:endParaRPr lang="en-US"/>
           </a:p>
@@ -4107,7 +4107,7 @@
           <a:p>
             <a:fld id="{5BCAD085-E8A6-8845-BD4E-CB4CCA059FC4}" type="datetimeFigureOut">
               <a:rPr lang="en-US" smtClean="0"/>
-              <a:t>4/8/2025</a:t>
+              <a:t>4/9/2025</a:t>
             </a:fld>
             <a:endParaRPr lang="en-US"/>
           </a:p>
@@ -4318,7 +4318,7 @@
           <a:p>
             <a:fld id="{5BCAD085-E8A6-8845-BD4E-CB4CCA059FC4}" type="datetimeFigureOut">
               <a:rPr lang="en-US" smtClean="0"/>
-              <a:t>4/8/2025</a:t>
+              <a:t>4/9/2025</a:t>
             </a:fld>
             <a:endParaRPr lang="en-US"/>
           </a:p>
@@ -4550,7 +4550,7 @@
           <a:p>
             <a:fld id="{5BCAD085-E8A6-8845-BD4E-CB4CCA059FC4}" type="datetimeFigureOut">
               <a:rPr lang="en-US" smtClean="0"/>
-              <a:t>4/8/2025</a:t>
+              <a:t>4/9/2025</a:t>
             </a:fld>
             <a:endParaRPr lang="en-US"/>
           </a:p>
@@ -4798,7 +4798,7 @@
           <a:p>
             <a:fld id="{5BCAD085-E8A6-8845-BD4E-CB4CCA059FC4}" type="datetimeFigureOut">
               <a:rPr lang="en-US" smtClean="0"/>
-              <a:t>4/8/2025</a:t>
+              <a:t>4/9/2025</a:t>
             </a:fld>
             <a:endParaRPr lang="en-US"/>
           </a:p>
@@ -5096,7 +5096,7 @@
           <a:p>
             <a:fld id="{5BCAD085-E8A6-8845-BD4E-CB4CCA059FC4}" type="datetimeFigureOut">
               <a:rPr lang="en-US" smtClean="0"/>
-              <a:t>4/8/2025</a:t>
+              <a:t>4/9/2025</a:t>
             </a:fld>
             <a:endParaRPr lang="en-US"/>
           </a:p>
@@ -5490,7 +5490,7 @@
           <a:p>
             <a:fld id="{5BCAD085-E8A6-8845-BD4E-CB4CCA059FC4}" type="datetimeFigureOut">
               <a:rPr lang="en-US" smtClean="0"/>
-              <a:t>4/8/2025</a:t>
+              <a:t>4/9/2025</a:t>
             </a:fld>
             <a:endParaRPr lang="en-US"/>
           </a:p>
@@ -5639,7 +5639,7 @@
           <a:p>
             <a:fld id="{5BCAD085-E8A6-8845-BD4E-CB4CCA059FC4}" type="datetimeFigureOut">
               <a:rPr lang="en-US" smtClean="0"/>
-              <a:t>4/8/2025</a:t>
+              <a:t>4/9/2025</a:t>
             </a:fld>
             <a:endParaRPr lang="en-US"/>
           </a:p>
@@ -5765,7 +5765,7 @@
           <a:p>
             <a:fld id="{5BCAD085-E8A6-8845-BD4E-CB4CCA059FC4}" type="datetimeFigureOut">
               <a:rPr lang="en-US" smtClean="0"/>
-              <a:t>4/8/2025</a:t>
+              <a:t>4/9/2025</a:t>
             </a:fld>
             <a:endParaRPr lang="en-US"/>
           </a:p>
@@ -6020,7 +6020,7 @@
           <a:p>
             <a:fld id="{5BCAD085-E8A6-8845-BD4E-CB4CCA059FC4}" type="datetimeFigureOut">
               <a:rPr lang="en-US" smtClean="0"/>
-              <a:t>4/8/2025</a:t>
+              <a:t>4/9/2025</a:t>
             </a:fld>
             <a:endParaRPr lang="en-US"/>
           </a:p>
@@ -6335,7 +6335,7 @@
           <a:p>
             <a:fld id="{5BCAD085-E8A6-8845-BD4E-CB4CCA059FC4}" type="datetimeFigureOut">
               <a:rPr lang="en-US" smtClean="0"/>
-              <a:t>4/8/2025</a:t>
+              <a:t>4/9/2025</a:t>
             </a:fld>
             <a:endParaRPr lang="en-US"/>
           </a:p>
@@ -6686,7 +6686,7 @@
           <a:p>
             <a:fld id="{5BCAD085-E8A6-8845-BD4E-CB4CCA059FC4}" type="datetimeFigureOut">
               <a:rPr lang="en-US" smtClean="0"/>
-              <a:t>4/8/2025</a:t>
+              <a:t>4/9/2025</a:t>
             </a:fld>
             <a:endParaRPr lang="en-US"/>
           </a:p>
@@ -8165,7 +8165,8 @@
           <a:lstStyle/>
           <a:p>
             <a:r>
-              <a:t>Interview Bonus - Go vs Python/Java</a:t>
+              <a:rPr dirty="0"/>
+              <a:t>Interview Bonus - Go vs Python</a:t>
             </a:r>
           </a:p>
         </p:txBody>
@@ -8302,7 +8303,8 @@
           <a:lstStyle/>
           <a:p>
             <a:r>
-              <a:t>Interview Bonus - Go vs Python/Java</a:t>
+              <a:rPr dirty="0"/>
+              <a:t>Interview Bonus - Go vs Java</a:t>
             </a:r>
           </a:p>
         </p:txBody>
